--- a/Nom 2017/2DGP 2차발표.pptx
+++ b/Nom 2017/2DGP 2차발표.pptx
@@ -8479,7 +8479,7 @@
         <p:spPr>
           <a:xfrm>
             <a:off x="7969346" y="3024554"/>
-            <a:ext cx="3742007" cy="923330"/>
+            <a:ext cx="3742007" cy="1015663"/>
           </a:xfrm>
           <a:prstGeom prst="rect">
             <a:avLst/>
@@ -8493,10 +8493,10 @@
           <a:lstStyle/>
           <a:p>
             <a:r>
-              <a:rPr lang="ko-KR" altLang="en-US" dirty="0"/>
+              <a:rPr lang="ko-KR" altLang="en-US" sz="2000" b="1" dirty="0"/>
               <a:t>전체적인 분위기는 감옥에 어울리게  어두운 분위기의 리소스 적용</a:t>
             </a:r>
-            <a:endParaRPr lang="en-US" altLang="ko-KR" dirty="0"/>
+            <a:endParaRPr lang="en-US" altLang="ko-KR" sz="2000" b="1" dirty="0"/>
           </a:p>
         </p:txBody>
       </p:sp>
@@ -8614,7 +8614,7 @@
         <p:spPr>
           <a:xfrm>
             <a:off x="7969346" y="3024554"/>
-            <a:ext cx="3742007" cy="646331"/>
+            <a:ext cx="3742007" cy="707886"/>
           </a:xfrm>
           <a:prstGeom prst="rect">
             <a:avLst/>
@@ -8628,10 +8628,10 @@
           <a:lstStyle/>
           <a:p>
             <a:r>
-              <a:rPr lang="ko-KR" altLang="en-US" dirty="0"/>
+              <a:rPr lang="ko-KR" altLang="en-US" sz="2000" b="1" dirty="0"/>
               <a:t>게임의 주요 요소인 장애물을 피하기 위한 점프 모션 구현</a:t>
             </a:r>
-            <a:endParaRPr lang="en-US" altLang="ko-KR" dirty="0"/>
+            <a:endParaRPr lang="en-US" altLang="ko-KR" sz="2000" b="1" dirty="0"/>
           </a:p>
         </p:txBody>
       </p:sp>
@@ -8749,7 +8749,7 @@
         <p:spPr>
           <a:xfrm>
             <a:off x="2430653" y="5471945"/>
-            <a:ext cx="8503994" cy="923330"/>
+            <a:ext cx="8503994" cy="1015663"/>
           </a:xfrm>
           <a:prstGeom prst="rect">
             <a:avLst/>
@@ -8763,44 +8763,44 @@
           <a:lstStyle/>
           <a:p>
             <a:r>
-              <a:rPr lang="en-US" altLang="ko-KR" dirty="0"/>
+              <a:rPr lang="en-US" altLang="ko-KR" sz="2000" b="1" dirty="0"/>
               <a:t>2</a:t>
             </a:r>
             <a:r>
-              <a:rPr lang="ko-KR" altLang="en-US" dirty="0"/>
+              <a:rPr lang="ko-KR" altLang="en-US" sz="2000" b="1" dirty="0"/>
               <a:t>단 점프 적용</a:t>
             </a:r>
-            <a:endParaRPr lang="en-US" altLang="ko-KR" dirty="0"/>
-          </a:p>
-          <a:p>
-            <a:endParaRPr lang="en-US" altLang="ko-KR" dirty="0"/>
-          </a:p>
-          <a:p>
-            <a:r>
-              <a:rPr lang="en-US" altLang="ko-KR" dirty="0"/>
+            <a:endParaRPr lang="en-US" altLang="ko-KR" sz="2000" b="1" dirty="0"/>
+          </a:p>
+          <a:p>
+            <a:endParaRPr lang="en-US" altLang="ko-KR" sz="2000" b="1" dirty="0"/>
+          </a:p>
+          <a:p>
+            <a:r>
+              <a:rPr lang="en-US" altLang="ko-KR" sz="2000" b="1" dirty="0"/>
               <a:t>2</a:t>
             </a:r>
             <a:r>
-              <a:rPr lang="ko-KR" altLang="en-US" dirty="0"/>
+              <a:rPr lang="ko-KR" altLang="en-US" sz="2000" b="1" dirty="0"/>
               <a:t>단은 </a:t>
             </a:r>
             <a:r>
-              <a:rPr lang="en-US" altLang="ko-KR" dirty="0"/>
+              <a:rPr lang="en-US" altLang="ko-KR" sz="2000" b="1" dirty="0"/>
               <a:t>1</a:t>
             </a:r>
             <a:r>
-              <a:rPr lang="ko-KR" altLang="en-US" dirty="0"/>
+              <a:rPr lang="ko-KR" altLang="en-US" sz="2000" b="1" dirty="0"/>
               <a:t>단 보다는 낮게 점프하고 착지하는 시간은 짧다</a:t>
             </a:r>
             <a:r>
-              <a:rPr lang="en-US" altLang="ko-KR" dirty="0"/>
+              <a:rPr lang="en-US" altLang="ko-KR" sz="2000" b="1" dirty="0"/>
               <a:t>.</a:t>
             </a:r>
             <a:r>
-              <a:rPr lang="ko-KR" altLang="en-US" dirty="0"/>
+              <a:rPr lang="ko-KR" altLang="en-US" sz="2000" b="1" dirty="0"/>
               <a:t> </a:t>
             </a:r>
-            <a:endParaRPr lang="en-US" altLang="ko-KR" dirty="0"/>
+            <a:endParaRPr lang="en-US" altLang="ko-KR" sz="2000" b="1" dirty="0"/>
           </a:p>
         </p:txBody>
       </p:sp>
@@ -9173,110 +9173,374 @@
           </a:p>
         </p:txBody>
       </p:sp>
-      <p:sp>
-        <p:nvSpPr>
-          <p:cNvPr id="3" name="TextBox 2">
+      <p:graphicFrame>
+        <p:nvGraphicFramePr>
+          <p:cNvPr id="5" name="표 4">
             <a:extLst>
               <a:ext uri="{FF2B5EF4-FFF2-40B4-BE49-F238E27FC236}">
-                <a16:creationId xmlns:a16="http://schemas.microsoft.com/office/drawing/2014/main" id="{27FE6568-2251-4A16-96C4-D1A09F6BDC2C}"/>
+                <a16:creationId xmlns:a16="http://schemas.microsoft.com/office/drawing/2014/main" id="{67F86022-756A-4D2A-9F3A-5E0FC0243D99}"/>
               </a:ext>
             </a:extLst>
           </p:cNvPr>
-          <p:cNvSpPr txBox="1"/>
-          <p:nvPr/>
-        </p:nvSpPr>
-        <p:spPr>
-          <a:xfrm>
-            <a:off x="1519311" y="1730326"/>
-            <a:ext cx="9158068" cy="3293209"/>
-          </a:xfrm>
-          <a:prstGeom prst="rect">
-            <a:avLst/>
-          </a:prstGeom>
-          <a:noFill/>
-        </p:spPr>
-        <p:txBody>
-          <a:bodyPr wrap="square" rtlCol="0">
-            <a:spAutoFit/>
-          </a:bodyPr>
-          <a:lstStyle/>
-          <a:p>
-            <a:r>
-              <a:rPr lang="ko-KR" altLang="en-US" sz="3200" b="1" dirty="0" err="1"/>
-              <a:t>지동석</a:t>
-            </a:r>
-            <a:endParaRPr lang="en-US" altLang="ko-KR" sz="3200" b="1" dirty="0"/>
-          </a:p>
-          <a:p>
-            <a:r>
-              <a:rPr lang="ko-KR" altLang="en-US" b="1" dirty="0"/>
-              <a:t>처음 접해보는 </a:t>
-            </a:r>
-            <a:r>
-              <a:rPr lang="ko-KR" altLang="en-US" b="1" dirty="0" err="1"/>
-              <a:t>파이썬인데</a:t>
-            </a:r>
-            <a:r>
-              <a:rPr lang="ko-KR" altLang="en-US" b="1" dirty="0"/>
-              <a:t> 나름 순조롭게 진행되고 있다</a:t>
-            </a:r>
-            <a:r>
-              <a:rPr lang="en-US" altLang="ko-KR" b="1" dirty="0"/>
-              <a:t>.</a:t>
-            </a:r>
-          </a:p>
-          <a:p>
-            <a:r>
-              <a:rPr lang="ko-KR" altLang="en-US" b="1" dirty="0"/>
-              <a:t>하지만 개발 일정에 맞춰서 개발을 못하고 있는 것이 좀 아쉽다</a:t>
-            </a:r>
-            <a:r>
-              <a:rPr lang="en-US" altLang="ko-KR" b="1" dirty="0"/>
-              <a:t>.</a:t>
-            </a:r>
-          </a:p>
-          <a:p>
-            <a:endParaRPr lang="en-US" altLang="ko-KR" b="1" dirty="0"/>
-          </a:p>
-          <a:p>
-            <a:endParaRPr lang="en-US" altLang="ko-KR" b="1" dirty="0"/>
-          </a:p>
-          <a:p>
-            <a:endParaRPr lang="en-US" altLang="ko-KR" b="1" dirty="0"/>
-          </a:p>
-          <a:p>
-            <a:endParaRPr lang="en-US" altLang="ko-KR" b="1" dirty="0"/>
-          </a:p>
-          <a:p>
-            <a:r>
-              <a:rPr lang="ko-KR" altLang="en-US" sz="3200" b="1" dirty="0"/>
-              <a:t>김동순</a:t>
-            </a:r>
-            <a:endParaRPr lang="en-US" altLang="ko-KR" sz="3200" b="1" dirty="0"/>
-          </a:p>
-          <a:p>
-            <a:r>
-              <a:rPr lang="ko-KR" altLang="en-US" b="1" dirty="0"/>
-              <a:t>아직 코딩 실력이 많이 부족해 팀원에게 미안하다</a:t>
-            </a:r>
-            <a:r>
-              <a:rPr lang="en-US" altLang="ko-KR" b="1" dirty="0"/>
-              <a:t>.</a:t>
-            </a:r>
-          </a:p>
-          <a:p>
-            <a:r>
-              <a:rPr lang="ko-KR" altLang="en-US" b="1" dirty="0"/>
-              <a:t>내가 도와줄 수 있는 부분은 많이 도와주려고 노력하겠다</a:t>
-            </a:r>
-            <a:r>
-              <a:rPr lang="en-US" altLang="ko-KR" b="1" dirty="0"/>
-              <a:t>.</a:t>
-            </a:r>
-            <a:endParaRPr lang="ko-KR" altLang="en-US" b="1" dirty="0"/>
-          </a:p>
-        </p:txBody>
-      </p:sp>
+          <p:cNvGraphicFramePr>
+            <a:graphicFrameLocks noGrp="1"/>
+          </p:cNvGraphicFramePr>
+          <p:nvPr>
+            <p:extLst>
+              <p:ext uri="{D42A27DB-BD31-4B8C-83A1-F6EECF244321}">
+                <p14:modId xmlns:p14="http://schemas.microsoft.com/office/powerpoint/2010/main" val="4078826162"/>
+              </p:ext>
+            </p:extLst>
+          </p:nvPr>
+        </p:nvGraphicFramePr>
+        <p:xfrm>
+          <a:off x="2116407" y="1097280"/>
+          <a:ext cx="8127999" cy="5086617"/>
+        </p:xfrm>
+        <a:graphic>
+          <a:graphicData uri="http://schemas.openxmlformats.org/drawingml/2006/table">
+            <a:tbl>
+              <a:tblPr firstRow="1" bandRow="1">
+                <a:tableStyleId>{AF606853-7671-496A-8E4F-DF71F8EC918B}</a:tableStyleId>
+              </a:tblPr>
+              <a:tblGrid>
+                <a:gridCol w="2709333">
+                  <a:extLst>
+                    <a:ext uri="{9D8B030D-6E8A-4147-A177-3AD203B41FA5}">
+                      <a16:colId xmlns:a16="http://schemas.microsoft.com/office/drawing/2014/main" val="618056107"/>
+                    </a:ext>
+                  </a:extLst>
+                </a:gridCol>
+                <a:gridCol w="2709333">
+                  <a:extLst>
+                    <a:ext uri="{9D8B030D-6E8A-4147-A177-3AD203B41FA5}">
+                      <a16:colId xmlns:a16="http://schemas.microsoft.com/office/drawing/2014/main" val="843698891"/>
+                    </a:ext>
+                  </a:extLst>
+                </a:gridCol>
+                <a:gridCol w="2709333">
+                  <a:extLst>
+                    <a:ext uri="{9D8B030D-6E8A-4147-A177-3AD203B41FA5}">
+                      <a16:colId xmlns:a16="http://schemas.microsoft.com/office/drawing/2014/main" val="2344149387"/>
+                    </a:ext>
+                  </a:extLst>
+                </a:gridCol>
+              </a:tblGrid>
+              <a:tr h="641828">
+                <a:tc>
+                  <a:txBody>
+                    <a:bodyPr/>
+                    <a:lstStyle/>
+                    <a:p>
+                      <a:pPr latinLnBrk="1"/>
+                      <a:endParaRPr lang="ko-KR" altLang="en-US" dirty="0"/>
+                    </a:p>
+                  </a:txBody>
+                  <a:tcPr/>
+                </a:tc>
+                <a:tc>
+                  <a:txBody>
+                    <a:bodyPr/>
+                    <a:lstStyle/>
+                    <a:p>
+                      <a:pPr latinLnBrk="1"/>
+                      <a:r>
+                        <a:rPr lang="ko-KR" altLang="en-US" sz="2800" dirty="0" err="1"/>
+                        <a:t>지동석</a:t>
+                      </a:r>
+                      <a:endParaRPr lang="ko-KR" altLang="en-US" sz="2800" dirty="0"/>
+                    </a:p>
+                  </a:txBody>
+                  <a:tcPr/>
+                </a:tc>
+                <a:tc>
+                  <a:txBody>
+                    <a:bodyPr/>
+                    <a:lstStyle/>
+                    <a:p>
+                      <a:pPr latinLnBrk="1"/>
+                      <a:r>
+                        <a:rPr lang="ko-KR" altLang="en-US" sz="2800" dirty="0"/>
+                        <a:t>김동순</a:t>
+                      </a:r>
+                    </a:p>
+                  </a:txBody>
+                  <a:tcPr/>
+                </a:tc>
+                <a:extLst>
+                  <a:ext uri="{0D108BD9-81ED-4DB2-BD59-A6C34878D82A}">
+                    <a16:rowId xmlns:a16="http://schemas.microsoft.com/office/drawing/2014/main" val="747323291"/>
+                  </a:ext>
+                </a:extLst>
+              </a:tr>
+              <a:tr h="1662169">
+                <a:tc>
+                  <a:txBody>
+                    <a:bodyPr/>
+                    <a:lstStyle/>
+                    <a:p>
+                      <a:pPr latinLnBrk="1"/>
+                      <a:r>
+                        <a:rPr lang="ko-KR" altLang="en-US" sz="3200" b="1" dirty="0"/>
+                        <a:t>코딩</a:t>
+                      </a:r>
+                    </a:p>
+                  </a:txBody>
+                  <a:tcPr/>
+                </a:tc>
+                <a:tc>
+                  <a:txBody>
+                    <a:bodyPr/>
+                    <a:lstStyle/>
+                    <a:p>
+                      <a:pPr latinLnBrk="1"/>
+                      <a:r>
+                        <a:rPr lang="ko-KR" altLang="en-US" b="1" dirty="0"/>
+                        <a:t>처음 접해보는 </a:t>
+                      </a:r>
+                      <a:r>
+                        <a:rPr lang="ko-KR" altLang="en-US" b="1" dirty="0" err="1"/>
+                        <a:t>파이썬이지만</a:t>
+                      </a:r>
+                      <a:r>
+                        <a:rPr lang="ko-KR" altLang="en-US" b="1" dirty="0"/>
+                        <a:t> 나름 진행이 잘 되고 있다</a:t>
+                      </a:r>
+                      <a:r>
+                        <a:rPr lang="en-US" altLang="ko-KR" b="1" dirty="0"/>
+                        <a:t>.</a:t>
+                      </a:r>
+                      <a:endParaRPr lang="ko-KR" altLang="en-US" b="1" dirty="0"/>
+                    </a:p>
+                  </a:txBody>
+                  <a:tcPr/>
+                </a:tc>
+                <a:tc>
+                  <a:txBody>
+                    <a:bodyPr/>
+                    <a:lstStyle/>
+                    <a:p>
+                      <a:pPr latinLnBrk="1"/>
+                      <a:r>
+                        <a:rPr lang="ko-KR" altLang="en-US" b="1" dirty="0"/>
+                        <a:t>실력이 많이 부족해서 팀원에게 미안하다</a:t>
+                      </a:r>
+                      <a:r>
+                        <a:rPr lang="en-US" altLang="ko-KR" b="1" dirty="0"/>
+                        <a:t>. </a:t>
+                      </a:r>
+                      <a:r>
+                        <a:rPr lang="ko-KR" altLang="en-US" b="1" dirty="0"/>
+                        <a:t>발목잡지 않게 노력하겠다</a:t>
+                      </a:r>
+                      <a:r>
+                        <a:rPr lang="en-US" altLang="ko-KR" b="1" dirty="0"/>
+                        <a:t>.</a:t>
+                      </a:r>
+                      <a:endParaRPr lang="ko-KR" altLang="en-US" b="1" dirty="0"/>
+                    </a:p>
+                  </a:txBody>
+                  <a:tcPr/>
+                </a:tc>
+                <a:extLst>
+                  <a:ext uri="{0D108BD9-81ED-4DB2-BD59-A6C34878D82A}">
+                    <a16:rowId xmlns:a16="http://schemas.microsoft.com/office/drawing/2014/main" val="2181773003"/>
+                  </a:ext>
+                </a:extLst>
+              </a:tr>
+              <a:tr h="796950">
+                <a:tc>
+                  <a:txBody>
+                    <a:bodyPr/>
+                    <a:lstStyle/>
+                    <a:p>
+                      <a:pPr latinLnBrk="1"/>
+                      <a:r>
+                        <a:rPr lang="ko-KR" altLang="en-US" sz="3200" b="1" dirty="0"/>
+                        <a:t>리소스</a:t>
+                      </a:r>
+                    </a:p>
+                  </a:txBody>
+                  <a:tcPr/>
+                </a:tc>
+                <a:tc>
+                  <a:txBody>
+                    <a:bodyPr/>
+                    <a:lstStyle/>
+                    <a:p>
+                      <a:pPr latinLnBrk="1"/>
+                      <a:r>
+                        <a:rPr lang="ko-KR" altLang="en-US" b="1" dirty="0"/>
+                        <a:t>도트를 찍고 있다</a:t>
+                      </a:r>
+                      <a:r>
+                        <a:rPr lang="en-US" altLang="ko-KR" b="1" dirty="0"/>
+                        <a:t>.</a:t>
+                      </a:r>
+                      <a:endParaRPr lang="ko-KR" altLang="en-US" b="1" dirty="0"/>
+                    </a:p>
+                  </a:txBody>
+                  <a:tcPr/>
+                </a:tc>
+                <a:tc>
+                  <a:txBody>
+                    <a:bodyPr/>
+                    <a:lstStyle/>
+                    <a:p>
+                      <a:pPr latinLnBrk="1"/>
+                      <a:r>
+                        <a:rPr lang="ko-KR" altLang="en-US" b="1" dirty="0" err="1"/>
+                        <a:t>스프라이트에서</a:t>
+                      </a:r>
+                      <a:r>
+                        <a:rPr lang="ko-KR" altLang="en-US" b="1" dirty="0"/>
+                        <a:t> 어울리는 도트를 찾고 있다</a:t>
+                      </a:r>
+                      <a:r>
+                        <a:rPr lang="en-US" altLang="ko-KR" b="1" dirty="0"/>
+                        <a:t>.</a:t>
+                      </a:r>
+                      <a:endParaRPr lang="ko-KR" altLang="en-US" b="1" dirty="0"/>
+                    </a:p>
+                  </a:txBody>
+                  <a:tcPr/>
+                </a:tc>
+                <a:extLst>
+                  <a:ext uri="{0D108BD9-81ED-4DB2-BD59-A6C34878D82A}">
+                    <a16:rowId xmlns:a16="http://schemas.microsoft.com/office/drawing/2014/main" val="3334342900"/>
+                  </a:ext>
+                </a:extLst>
+              </a:tr>
+              <a:tr h="796950">
+                <a:tc>
+                  <a:txBody>
+                    <a:bodyPr/>
+                    <a:lstStyle/>
+                    <a:p>
+                      <a:pPr latinLnBrk="1"/>
+                      <a:r>
+                        <a:rPr lang="ko-KR" altLang="en-US" sz="3200" b="1" dirty="0"/>
+                        <a:t>계획</a:t>
+                      </a:r>
+                    </a:p>
+                  </a:txBody>
+                  <a:tcPr/>
+                </a:tc>
+                <a:tc gridSpan="2">
+                  <a:txBody>
+                    <a:bodyPr/>
+                    <a:lstStyle/>
+                    <a:p>
+                      <a:pPr latinLnBrk="1"/>
+                      <a:r>
+                        <a:rPr lang="ko-KR" altLang="en-US" b="1" dirty="0"/>
+                        <a:t>계획대로 잘 수행하지 못하고 있다</a:t>
+                      </a:r>
+                      <a:r>
+                        <a:rPr lang="en-US" altLang="ko-KR" b="1" dirty="0"/>
+                        <a:t>.</a:t>
+                      </a:r>
+                      <a:r>
+                        <a:rPr lang="ko-KR" altLang="en-US" b="1" dirty="0"/>
+                        <a:t> 밀리지 않게 잘 하겠다</a:t>
+                      </a:r>
+                      <a:r>
+                        <a:rPr lang="en-US" altLang="ko-KR" b="1" dirty="0"/>
+                        <a:t>.</a:t>
+                      </a:r>
+                      <a:endParaRPr lang="ko-KR" altLang="en-US" b="1" dirty="0"/>
+                    </a:p>
+                  </a:txBody>
+                  <a:tcPr/>
+                </a:tc>
+                <a:tc hMerge="1">
+                  <a:txBody>
+                    <a:bodyPr/>
+                    <a:lstStyle/>
+                    <a:p>
+                      <a:pPr latinLnBrk="1"/>
+                      <a:endParaRPr lang="ko-KR" altLang="en-US" dirty="0"/>
+                    </a:p>
+                  </a:txBody>
+                  <a:tcPr/>
+                </a:tc>
+                <a:extLst>
+                  <a:ext uri="{0D108BD9-81ED-4DB2-BD59-A6C34878D82A}">
+                    <a16:rowId xmlns:a16="http://schemas.microsoft.com/office/drawing/2014/main" val="241433047"/>
+                  </a:ext>
+                </a:extLst>
+              </a:tr>
+              <a:tr h="674102">
+                <a:tc>
+                  <a:txBody>
+                    <a:bodyPr/>
+                    <a:lstStyle/>
+                    <a:p>
+                      <a:pPr latinLnBrk="1"/>
+                      <a:r>
+                        <a:rPr lang="ko-KR" altLang="en-US" sz="3200" b="1" dirty="0"/>
+                        <a:t>문제점</a:t>
+                      </a:r>
+                    </a:p>
+                  </a:txBody>
+                  <a:tcPr/>
+                </a:tc>
+                <a:tc gridSpan="2">
+                  <a:txBody>
+                    <a:bodyPr/>
+                    <a:lstStyle/>
+                    <a:p>
+                      <a:pPr latinLnBrk="1"/>
+                      <a:r>
+                        <a:rPr lang="ko-KR" altLang="en-US" b="1" dirty="0"/>
+                        <a:t>초반에 팀프로젝트에 대한 경험이 부족하여 기능별로 구현 계획을 세워 놓았어야 했다</a:t>
+                      </a:r>
+                      <a:r>
+                        <a:rPr lang="en-US" altLang="ko-KR" b="1" dirty="0"/>
+                        <a:t>.  </a:t>
+                      </a:r>
+                      <a:r>
+                        <a:rPr lang="ko-KR" altLang="en-US" b="1" dirty="0"/>
+                        <a:t>하지만 스테이지 별로 계획을 세워 놓아서 개발 중에 문제가 생겼다</a:t>
+                      </a:r>
+                      <a:r>
+                        <a:rPr lang="en-US" altLang="ko-KR" b="1" dirty="0"/>
+                        <a:t>. </a:t>
+                      </a:r>
+                      <a:r>
+                        <a:rPr lang="ko-KR" altLang="en-US" b="1" dirty="0"/>
+                        <a:t>그에 따라 계획을 수정하면서 개발하고 있다</a:t>
+                      </a:r>
+                      <a:r>
+                        <a:rPr lang="en-US" altLang="ko-KR" b="1" dirty="0"/>
+                        <a:t>.</a:t>
+                      </a:r>
+                      <a:endParaRPr lang="ko-KR" altLang="en-US" b="1" dirty="0"/>
+                    </a:p>
+                  </a:txBody>
+                  <a:tcPr/>
+                </a:tc>
+                <a:tc hMerge="1">
+                  <a:txBody>
+                    <a:bodyPr/>
+                    <a:lstStyle/>
+                    <a:p>
+                      <a:pPr latinLnBrk="1"/>
+                      <a:endParaRPr lang="ko-KR" altLang="en-US" dirty="0"/>
+                    </a:p>
+                  </a:txBody>
+                  <a:tcPr/>
+                </a:tc>
+                <a:extLst>
+                  <a:ext uri="{0D108BD9-81ED-4DB2-BD59-A6C34878D82A}">
+                    <a16:rowId xmlns:a16="http://schemas.microsoft.com/office/drawing/2014/main" val="3981412667"/>
+                  </a:ext>
+                </a:extLst>
+              </a:tr>
+            </a:tbl>
+          </a:graphicData>
+        </a:graphic>
+      </p:graphicFrame>
     </p:spTree>
     <p:extLst>
       <p:ext uri="{BB962C8B-B14F-4D97-AF65-F5344CB8AC3E}">
@@ -9361,7 +9625,7 @@
           <p:nvPr>
             <p:extLst>
               <p:ext uri="{D42A27DB-BD31-4B8C-83A1-F6EECF244321}">
-                <p14:modId xmlns:p14="http://schemas.microsoft.com/office/powerpoint/2010/main" val="2424960245"/>
+                <p14:modId xmlns:p14="http://schemas.microsoft.com/office/powerpoint/2010/main" val="2340630074"/>
               </p:ext>
             </p:extLst>
           </p:nvPr>
@@ -9591,6 +9855,15 @@
                         <a:rPr lang="ko-KR" altLang="en-US" b="1" dirty="0"/>
                         <a:t>개선점 적용</a:t>
                       </a:r>
+                      <a:endParaRPr lang="en-US" altLang="ko-KR" b="1" dirty="0"/>
+                    </a:p>
+                    <a:p>
+                      <a:pPr latinLnBrk="1"/>
+                      <a:r>
+                        <a:rPr lang="ko-KR" altLang="en-US" b="1"/>
+                        <a:t>리소스 투명 배경 적용</a:t>
+                      </a:r>
+                      <a:endParaRPr lang="ko-KR" altLang="en-US" b="1" dirty="0"/>
                     </a:p>
                   </a:txBody>
                   <a:tcPr/>
